--- a/Introduction to GitHub.pptx
+++ b/Introduction to GitHub.pptx
@@ -630,7 +630,7 @@
           <a:p>
             <a:fld id="{FCF42028-3C30-496E-9BC6-0F7AF5A6A954}" type="datetimeFigureOut">
               <a:rPr lang="en-US" smtClean="0"/>
-              <a:t>4/5/2023</a:t>
+              <a:t>5/31/2023</a:t>
             </a:fld>
             <a:endParaRPr lang="en-US"/>
           </a:p>
@@ -926,7 +926,7 @@
           <a:p>
             <a:fld id="{FCF42028-3C30-496E-9BC6-0F7AF5A6A954}" type="datetimeFigureOut">
               <a:rPr lang="en-US" smtClean="0"/>
-              <a:t>4/5/2023</a:t>
+              <a:t>5/31/2023</a:t>
             </a:fld>
             <a:endParaRPr lang="en-US"/>
           </a:p>
@@ -1174,7 +1174,7 @@
           <a:p>
             <a:fld id="{FCF42028-3C30-496E-9BC6-0F7AF5A6A954}" type="datetimeFigureOut">
               <a:rPr lang="en-US" smtClean="0"/>
-              <a:t>4/5/2023</a:t>
+              <a:t>5/31/2023</a:t>
             </a:fld>
             <a:endParaRPr lang="en-US"/>
           </a:p>
@@ -1714,7 +1714,7 @@
           <a:p>
             <a:fld id="{FCF42028-3C30-496E-9BC6-0F7AF5A6A954}" type="datetimeFigureOut">
               <a:rPr lang="en-US" smtClean="0"/>
-              <a:t>4/5/2023</a:t>
+              <a:t>5/31/2023</a:t>
             </a:fld>
             <a:endParaRPr lang="en-US"/>
           </a:p>
@@ -1962,7 +1962,7 @@
           <a:p>
             <a:fld id="{FCF42028-3C30-496E-9BC6-0F7AF5A6A954}" type="datetimeFigureOut">
               <a:rPr lang="en-US" smtClean="0"/>
-              <a:t>4/5/2023</a:t>
+              <a:t>5/31/2023</a:t>
             </a:fld>
             <a:endParaRPr lang="en-US"/>
           </a:p>
@@ -2494,7 +2494,7 @@
           <a:p>
             <a:fld id="{FCF42028-3C30-496E-9BC6-0F7AF5A6A954}" type="datetimeFigureOut">
               <a:rPr lang="en-US" smtClean="0"/>
-              <a:t>4/5/2023</a:t>
+              <a:t>5/31/2023</a:t>
             </a:fld>
             <a:endParaRPr lang="en-US"/>
           </a:p>
@@ -2791,7 +2791,7 @@
           <a:p>
             <a:fld id="{FCF42028-3C30-496E-9BC6-0F7AF5A6A954}" type="datetimeFigureOut">
               <a:rPr lang="en-US" smtClean="0"/>
-              <a:t>4/5/2023</a:t>
+              <a:t>5/31/2023</a:t>
             </a:fld>
             <a:endParaRPr lang="en-US"/>
           </a:p>
@@ -2965,7 +2965,7 @@
           <a:p>
             <a:fld id="{FCF42028-3C30-496E-9BC6-0F7AF5A6A954}" type="datetimeFigureOut">
               <a:rPr lang="en-US" smtClean="0"/>
-              <a:t>4/5/2023</a:t>
+              <a:t>5/31/2023</a:t>
             </a:fld>
             <a:endParaRPr lang="en-US"/>
           </a:p>
@@ -3145,7 +3145,7 @@
           <a:p>
             <a:fld id="{FCF42028-3C30-496E-9BC6-0F7AF5A6A954}" type="datetimeFigureOut">
               <a:rPr lang="en-US" smtClean="0"/>
-              <a:t>4/5/2023</a:t>
+              <a:t>5/31/2023</a:t>
             </a:fld>
             <a:endParaRPr lang="en-US"/>
           </a:p>
@@ -3315,7 +3315,7 @@
           <a:p>
             <a:fld id="{FCF42028-3C30-496E-9BC6-0F7AF5A6A954}" type="datetimeFigureOut">
               <a:rPr lang="en-US" smtClean="0"/>
-              <a:t>4/5/2023</a:t>
+              <a:t>5/31/2023</a:t>
             </a:fld>
             <a:endParaRPr lang="en-US"/>
           </a:p>
@@ -3566,7 +3566,7 @@
           <a:p>
             <a:fld id="{FCF42028-3C30-496E-9BC6-0F7AF5A6A954}" type="datetimeFigureOut">
               <a:rPr lang="en-US" smtClean="0"/>
-              <a:t>4/5/2023</a:t>
+              <a:t>5/31/2023</a:t>
             </a:fld>
             <a:endParaRPr lang="en-US"/>
           </a:p>
@@ -3863,7 +3863,7 @@
           <a:p>
             <a:fld id="{FCF42028-3C30-496E-9BC6-0F7AF5A6A954}" type="datetimeFigureOut">
               <a:rPr lang="en-US" smtClean="0"/>
-              <a:t>4/5/2023</a:t>
+              <a:t>5/31/2023</a:t>
             </a:fld>
             <a:endParaRPr lang="en-US"/>
           </a:p>
@@ -4305,7 +4305,7 @@
           <a:p>
             <a:fld id="{FCF42028-3C30-496E-9BC6-0F7AF5A6A954}" type="datetimeFigureOut">
               <a:rPr lang="en-US" smtClean="0"/>
-              <a:t>4/5/2023</a:t>
+              <a:t>5/31/2023</a:t>
             </a:fld>
             <a:endParaRPr lang="en-US"/>
           </a:p>
@@ -4423,7 +4423,7 @@
           <a:p>
             <a:fld id="{FCF42028-3C30-496E-9BC6-0F7AF5A6A954}" type="datetimeFigureOut">
               <a:rPr lang="en-US" smtClean="0"/>
-              <a:t>4/5/2023</a:t>
+              <a:t>5/31/2023</a:t>
             </a:fld>
             <a:endParaRPr lang="en-US"/>
           </a:p>
@@ -4518,7 +4518,7 @@
           <a:p>
             <a:fld id="{FCF42028-3C30-496E-9BC6-0F7AF5A6A954}" type="datetimeFigureOut">
               <a:rPr lang="en-US" smtClean="0"/>
-              <a:t>4/5/2023</a:t>
+              <a:t>5/31/2023</a:t>
             </a:fld>
             <a:endParaRPr lang="en-US"/>
           </a:p>
@@ -4801,7 +4801,7 @@
           <a:p>
             <a:fld id="{FCF42028-3C30-496E-9BC6-0F7AF5A6A954}" type="datetimeFigureOut">
               <a:rPr lang="en-US" smtClean="0"/>
-              <a:t>4/5/2023</a:t>
+              <a:t>5/31/2023</a:t>
             </a:fld>
             <a:endParaRPr lang="en-US"/>
           </a:p>
@@ -5092,7 +5092,7 @@
           <a:p>
             <a:fld id="{FCF42028-3C30-496E-9BC6-0F7AF5A6A954}" type="datetimeFigureOut">
               <a:rPr lang="en-US" smtClean="0"/>
-              <a:t>4/5/2023</a:t>
+              <a:t>5/31/2023</a:t>
             </a:fld>
             <a:endParaRPr lang="en-US"/>
           </a:p>
@@ -5622,7 +5622,7 @@
           <a:p>
             <a:fld id="{FCF42028-3C30-496E-9BC6-0F7AF5A6A954}" type="datetimeFigureOut">
               <a:rPr lang="en-US" smtClean="0"/>
-              <a:t>4/5/2023</a:t>
+              <a:t>5/31/2023</a:t>
             </a:fld>
             <a:endParaRPr lang="en-US"/>
           </a:p>
@@ -7215,18 +7215,18 @@
           <a:p>
             <a:r>
               <a:rPr lang="en-US" dirty="0"/>
-              <a:t>Your files will now be visible in their repository and will display the message you typed when you </a:t>
-            </a:r>
-            <a:r>
-              <a:rPr lang="en-US" dirty="0" err="1"/>
-              <a:t>commited</a:t>
+              <a:t>Your files will now be visible in their repository and will display the message you typed when </a:t>
+            </a:r>
+            <a:r>
+              <a:rPr lang="en-US"/>
+              <a:t>you committed</a:t>
             </a:r>
             <a:endParaRPr lang="en-US" dirty="0"/>
           </a:p>
           <a:p>
             <a:r>
               <a:rPr lang="en-US" dirty="0"/>
-              <a:t>Your GitHub Repos will display your projects to the world and are a great way to show off your programming experience to the world (and especially employers) </a:t>
+              <a:t>Your GitHub Repos will display your projects to the world and are a great way to show off your programming experience to the world (and especially employers)  </a:t>
             </a:r>
           </a:p>
         </p:txBody>

--- a/Introduction to GitHub.pptx
+++ b/Introduction to GitHub.pptx
@@ -6,22 +6,24 @@
   </p:sldMasterIdLst>
   <p:sldIdLst>
     <p:sldId id="256" r:id="rId2"/>
-    <p:sldId id="257" r:id="rId3"/>
-    <p:sldId id="258" r:id="rId4"/>
-    <p:sldId id="259" r:id="rId5"/>
-    <p:sldId id="260" r:id="rId6"/>
-    <p:sldId id="261" r:id="rId7"/>
-    <p:sldId id="262" r:id="rId8"/>
-    <p:sldId id="264" r:id="rId9"/>
-    <p:sldId id="263" r:id="rId10"/>
-    <p:sldId id="265" r:id="rId11"/>
-    <p:sldId id="266" r:id="rId12"/>
-    <p:sldId id="267" r:id="rId13"/>
-    <p:sldId id="268" r:id="rId14"/>
-    <p:sldId id="269" r:id="rId15"/>
-    <p:sldId id="270" r:id="rId16"/>
-    <p:sldId id="271" r:id="rId17"/>
-    <p:sldId id="272" r:id="rId18"/>
+    <p:sldId id="273" r:id="rId3"/>
+    <p:sldId id="274" r:id="rId4"/>
+    <p:sldId id="257" r:id="rId5"/>
+    <p:sldId id="258" r:id="rId6"/>
+    <p:sldId id="259" r:id="rId7"/>
+    <p:sldId id="260" r:id="rId8"/>
+    <p:sldId id="261" r:id="rId9"/>
+    <p:sldId id="262" r:id="rId10"/>
+    <p:sldId id="264" r:id="rId11"/>
+    <p:sldId id="263" r:id="rId12"/>
+    <p:sldId id="265" r:id="rId13"/>
+    <p:sldId id="266" r:id="rId14"/>
+    <p:sldId id="267" r:id="rId15"/>
+    <p:sldId id="268" r:id="rId16"/>
+    <p:sldId id="269" r:id="rId17"/>
+    <p:sldId id="270" r:id="rId18"/>
+    <p:sldId id="271" r:id="rId19"/>
+    <p:sldId id="272" r:id="rId20"/>
   </p:sldIdLst>
   <p:sldSz cx="12192000" cy="6858000"/>
   <p:notesSz cx="6858000" cy="9144000"/>
@@ -630,7 +632,7 @@
           <a:p>
             <a:fld id="{FCF42028-3C30-496E-9BC6-0F7AF5A6A954}" type="datetimeFigureOut">
               <a:rPr lang="en-US" smtClean="0"/>
-              <a:t>5/31/2023</a:t>
+              <a:t>6/7/2023</a:t>
             </a:fld>
             <a:endParaRPr lang="en-US"/>
           </a:p>
@@ -926,7 +928,7 @@
           <a:p>
             <a:fld id="{FCF42028-3C30-496E-9BC6-0F7AF5A6A954}" type="datetimeFigureOut">
               <a:rPr lang="en-US" smtClean="0"/>
-              <a:t>5/31/2023</a:t>
+              <a:t>6/7/2023</a:t>
             </a:fld>
             <a:endParaRPr lang="en-US"/>
           </a:p>
@@ -1174,7 +1176,7 @@
           <a:p>
             <a:fld id="{FCF42028-3C30-496E-9BC6-0F7AF5A6A954}" type="datetimeFigureOut">
               <a:rPr lang="en-US" smtClean="0"/>
-              <a:t>5/31/2023</a:t>
+              <a:t>6/7/2023</a:t>
             </a:fld>
             <a:endParaRPr lang="en-US"/>
           </a:p>
@@ -1714,7 +1716,7 @@
           <a:p>
             <a:fld id="{FCF42028-3C30-496E-9BC6-0F7AF5A6A954}" type="datetimeFigureOut">
               <a:rPr lang="en-US" smtClean="0"/>
-              <a:t>5/31/2023</a:t>
+              <a:t>6/7/2023</a:t>
             </a:fld>
             <a:endParaRPr lang="en-US"/>
           </a:p>
@@ -1962,7 +1964,7 @@
           <a:p>
             <a:fld id="{FCF42028-3C30-496E-9BC6-0F7AF5A6A954}" type="datetimeFigureOut">
               <a:rPr lang="en-US" smtClean="0"/>
-              <a:t>5/31/2023</a:t>
+              <a:t>6/7/2023</a:t>
             </a:fld>
             <a:endParaRPr lang="en-US"/>
           </a:p>
@@ -2494,7 +2496,7 @@
           <a:p>
             <a:fld id="{FCF42028-3C30-496E-9BC6-0F7AF5A6A954}" type="datetimeFigureOut">
               <a:rPr lang="en-US" smtClean="0"/>
-              <a:t>5/31/2023</a:t>
+              <a:t>6/7/2023</a:t>
             </a:fld>
             <a:endParaRPr lang="en-US"/>
           </a:p>
@@ -2791,7 +2793,7 @@
           <a:p>
             <a:fld id="{FCF42028-3C30-496E-9BC6-0F7AF5A6A954}" type="datetimeFigureOut">
               <a:rPr lang="en-US" smtClean="0"/>
-              <a:t>5/31/2023</a:t>
+              <a:t>6/7/2023</a:t>
             </a:fld>
             <a:endParaRPr lang="en-US"/>
           </a:p>
@@ -2965,7 +2967,7 @@
           <a:p>
             <a:fld id="{FCF42028-3C30-496E-9BC6-0F7AF5A6A954}" type="datetimeFigureOut">
               <a:rPr lang="en-US" smtClean="0"/>
-              <a:t>5/31/2023</a:t>
+              <a:t>6/7/2023</a:t>
             </a:fld>
             <a:endParaRPr lang="en-US"/>
           </a:p>
@@ -3145,7 +3147,7 @@
           <a:p>
             <a:fld id="{FCF42028-3C30-496E-9BC6-0F7AF5A6A954}" type="datetimeFigureOut">
               <a:rPr lang="en-US" smtClean="0"/>
-              <a:t>5/31/2023</a:t>
+              <a:t>6/7/2023</a:t>
             </a:fld>
             <a:endParaRPr lang="en-US"/>
           </a:p>
@@ -3315,7 +3317,7 @@
           <a:p>
             <a:fld id="{FCF42028-3C30-496E-9BC6-0F7AF5A6A954}" type="datetimeFigureOut">
               <a:rPr lang="en-US" smtClean="0"/>
-              <a:t>5/31/2023</a:t>
+              <a:t>6/7/2023</a:t>
             </a:fld>
             <a:endParaRPr lang="en-US"/>
           </a:p>
@@ -3566,7 +3568,7 @@
           <a:p>
             <a:fld id="{FCF42028-3C30-496E-9BC6-0F7AF5A6A954}" type="datetimeFigureOut">
               <a:rPr lang="en-US" smtClean="0"/>
-              <a:t>5/31/2023</a:t>
+              <a:t>6/7/2023</a:t>
             </a:fld>
             <a:endParaRPr lang="en-US"/>
           </a:p>
@@ -3863,7 +3865,7 @@
           <a:p>
             <a:fld id="{FCF42028-3C30-496E-9BC6-0F7AF5A6A954}" type="datetimeFigureOut">
               <a:rPr lang="en-US" smtClean="0"/>
-              <a:t>5/31/2023</a:t>
+              <a:t>6/7/2023</a:t>
             </a:fld>
             <a:endParaRPr lang="en-US"/>
           </a:p>
@@ -4305,7 +4307,7 @@
           <a:p>
             <a:fld id="{FCF42028-3C30-496E-9BC6-0F7AF5A6A954}" type="datetimeFigureOut">
               <a:rPr lang="en-US" smtClean="0"/>
-              <a:t>5/31/2023</a:t>
+              <a:t>6/7/2023</a:t>
             </a:fld>
             <a:endParaRPr lang="en-US"/>
           </a:p>
@@ -4423,7 +4425,7 @@
           <a:p>
             <a:fld id="{FCF42028-3C30-496E-9BC6-0F7AF5A6A954}" type="datetimeFigureOut">
               <a:rPr lang="en-US" smtClean="0"/>
-              <a:t>5/31/2023</a:t>
+              <a:t>6/7/2023</a:t>
             </a:fld>
             <a:endParaRPr lang="en-US"/>
           </a:p>
@@ -4518,7 +4520,7 @@
           <a:p>
             <a:fld id="{FCF42028-3C30-496E-9BC6-0F7AF5A6A954}" type="datetimeFigureOut">
               <a:rPr lang="en-US" smtClean="0"/>
-              <a:t>5/31/2023</a:t>
+              <a:t>6/7/2023</a:t>
             </a:fld>
             <a:endParaRPr lang="en-US"/>
           </a:p>
@@ -4801,7 +4803,7 @@
           <a:p>
             <a:fld id="{FCF42028-3C30-496E-9BC6-0F7AF5A6A954}" type="datetimeFigureOut">
               <a:rPr lang="en-US" smtClean="0"/>
-              <a:t>5/31/2023</a:t>
+              <a:t>6/7/2023</a:t>
             </a:fld>
             <a:endParaRPr lang="en-US"/>
           </a:p>
@@ -5092,7 +5094,7 @@
           <a:p>
             <a:fld id="{FCF42028-3C30-496E-9BC6-0F7AF5A6A954}" type="datetimeFigureOut">
               <a:rPr lang="en-US" smtClean="0"/>
-              <a:t>5/31/2023</a:t>
+              <a:t>6/7/2023</a:t>
             </a:fld>
             <a:endParaRPr lang="en-US"/>
           </a:p>
@@ -5622,7 +5624,7 @@
           <a:p>
             <a:fld id="{FCF42028-3C30-496E-9BC6-0F7AF5A6A954}" type="datetimeFigureOut">
               <a:rPr lang="en-US" smtClean="0"/>
-              <a:t>5/31/2023</a:t>
+              <a:t>6/7/2023</a:t>
             </a:fld>
             <a:endParaRPr lang="en-US"/>
           </a:p>
@@ -6241,7 +6243,7 @@
           <p:cNvPr id="2" name="Title 1">
             <a:extLst>
               <a:ext uri="{FF2B5EF4-FFF2-40B4-BE49-F238E27FC236}">
-                <a16:creationId xmlns:a16="http://schemas.microsoft.com/office/drawing/2014/main" id="{DA3111C9-FBDE-42BD-9AEC-350B4CA4C298}"/>
+                <a16:creationId xmlns:a16="http://schemas.microsoft.com/office/drawing/2014/main" id="{D9D17935-69FF-4F4D-AE97-E58C09D19238}"/>
               </a:ext>
             </a:extLst>
           </p:cNvPr>
@@ -6273,7 +6275,7 @@
           <p:cNvPr id="3" name="Content Placeholder 2">
             <a:extLst>
               <a:ext uri="{FF2B5EF4-FFF2-40B4-BE49-F238E27FC236}">
-                <a16:creationId xmlns:a16="http://schemas.microsoft.com/office/drawing/2014/main" id="{898594B8-1EAA-4BCE-B637-CB89E9C8C230}"/>
+                <a16:creationId xmlns:a16="http://schemas.microsoft.com/office/drawing/2014/main" id="{4B40BD1A-AD09-4DF2-9F50-8BAAED1BD645}"/>
               </a:ext>
             </a:extLst>
           </p:cNvPr>
@@ -6287,60 +6289,86 @@
         <p:spPr/>
         <p:txBody>
           <a:bodyPr>
-            <a:normAutofit fontScale="92500" lnSpcReduction="20000"/>
+            <a:normAutofit fontScale="70000" lnSpcReduction="20000"/>
           </a:bodyPr>
           <a:lstStyle/>
           <a:p>
             <a:r>
               <a:rPr lang="en-US" b="1" dirty="0"/>
-              <a:t>add</a:t>
+              <a:t>ls</a:t>
             </a:r>
           </a:p>
           <a:p>
             <a:pPr lvl="1"/>
             <a:r>
               <a:rPr lang="en-US" dirty="0"/>
-              <a:t>Adds a file (or files) to a staging area so you can commit them</a:t>
+              <a:t>Lists directory (folder) contents</a:t>
+            </a:r>
+          </a:p>
+          <a:p>
+            <a:r>
+              <a:rPr lang="en-US" b="1" dirty="0"/>
+              <a:t>cd</a:t>
             </a:r>
           </a:p>
           <a:p>
             <a:pPr lvl="1"/>
             <a:r>
               <a:rPr lang="en-US" dirty="0"/>
-              <a:t>Creates a snapshot of file(s)</a:t>
+              <a:t>Changes the directory (folder) that you are currently looking in</a:t>
+            </a:r>
+          </a:p>
+          <a:p>
+            <a:pPr lvl="1"/>
+            <a:r>
+              <a:rPr lang="en-US" dirty="0"/>
+              <a:t>After cd, list the folder you would like to be shown</a:t>
+            </a:r>
+          </a:p>
+          <a:p>
+            <a:pPr lvl="1"/>
+            <a:r>
+              <a:rPr lang="en-US" dirty="0"/>
+              <a:t>Supports </a:t>
+            </a:r>
+            <a:r>
+              <a:rPr lang="en-US" i="1" dirty="0"/>
+              <a:t>relative paths</a:t>
             </a:r>
           </a:p>
           <a:p>
             <a:r>
               <a:rPr lang="en-US" b="1" dirty="0"/>
-              <a:t>commit –m ”A descriptive message”</a:t>
+              <a:t>mv</a:t>
             </a:r>
           </a:p>
           <a:p>
             <a:pPr lvl="1"/>
             <a:r>
               <a:rPr lang="en-US" dirty="0"/>
-              <a:t>Records snapshots in version history</a:t>
-            </a:r>
-          </a:p>
-          <a:p>
-            <a:r>
-              <a:rPr lang="en-US" b="1" dirty="0"/>
-              <a:t>push</a:t>
+              <a:t>Moves or renames a file or directory</a:t>
             </a:r>
           </a:p>
           <a:p>
             <a:pPr lvl="1"/>
             <a:r>
               <a:rPr lang="en-US" dirty="0"/>
-              <a:t>Uploads local branch commits from staging area</a:t>
+              <a:t>You can move many files at one time</a:t>
             </a:r>
           </a:p>
           <a:p>
             <a:pPr lvl="1"/>
             <a:r>
               <a:rPr lang="en-US" dirty="0"/>
-              <a:t>Last step to update your repository</a:t>
+              <a:t>Provide </a:t>
+            </a:r>
+            <a:r>
+              <a:rPr lang="en-US" dirty="0" err="1"/>
+              <a:t>filepath</a:t>
+            </a:r>
+            <a:r>
+              <a:rPr lang="en-US" dirty="0"/>
+              <a:t> to new directory after the filename</a:t>
             </a:r>
           </a:p>
         </p:txBody>
@@ -6348,7 +6376,7 @@
     </p:spTree>
     <p:extLst>
       <p:ext uri="{BB962C8B-B14F-4D97-AF65-F5344CB8AC3E}">
-        <p14:creationId xmlns:p14="http://schemas.microsoft.com/office/powerpoint/2010/main" val="3615658078"/>
+        <p14:creationId xmlns:p14="http://schemas.microsoft.com/office/powerpoint/2010/main" val="670696633"/>
       </p:ext>
     </p:extLst>
   </p:cSld>
@@ -6380,6 +6408,284 @@
           <p:cNvPr id="2" name="Title 1">
             <a:extLst>
               <a:ext uri="{FF2B5EF4-FFF2-40B4-BE49-F238E27FC236}">
+                <a16:creationId xmlns:a16="http://schemas.microsoft.com/office/drawing/2014/main" id="{346435E5-45A4-41A0-9706-2A3203A8B569}"/>
+              </a:ext>
+            </a:extLst>
+          </p:cNvPr>
+          <p:cNvSpPr>
+            <a:spLocks noGrp="1"/>
+          </p:cNvSpPr>
+          <p:nvPr>
+            <p:ph type="title"/>
+          </p:nvPr>
+        </p:nvSpPr>
+        <p:spPr/>
+        <p:txBody>
+          <a:bodyPr/>
+          <a:lstStyle/>
+          <a:p>
+            <a:r>
+              <a:rPr lang="en-US" dirty="0" err="1"/>
+              <a:t>GitBash</a:t>
+            </a:r>
+            <a:r>
+              <a:rPr lang="en-US" dirty="0"/>
+              <a:t> Common Commands</a:t>
+            </a:r>
+          </a:p>
+        </p:txBody>
+      </p:sp>
+      <p:sp>
+        <p:nvSpPr>
+          <p:cNvPr id="3" name="Content Placeholder 2">
+            <a:extLst>
+              <a:ext uri="{FF2B5EF4-FFF2-40B4-BE49-F238E27FC236}">
+                <a16:creationId xmlns:a16="http://schemas.microsoft.com/office/drawing/2014/main" id="{BD09F67D-303B-4D48-8C05-81C296B8086B}"/>
+              </a:ext>
+            </a:extLst>
+          </p:cNvPr>
+          <p:cNvSpPr>
+            <a:spLocks noGrp="1"/>
+          </p:cNvSpPr>
+          <p:nvPr>
+            <p:ph idx="1"/>
+          </p:nvPr>
+        </p:nvSpPr>
+        <p:spPr/>
+        <p:txBody>
+          <a:bodyPr>
+            <a:normAutofit fontScale="92500" lnSpcReduction="20000"/>
+          </a:bodyPr>
+          <a:lstStyle/>
+          <a:p>
+            <a:r>
+              <a:rPr lang="en-US" dirty="0"/>
+              <a:t>Clone</a:t>
+            </a:r>
+          </a:p>
+          <a:p>
+            <a:pPr lvl="1"/>
+            <a:r>
+              <a:rPr lang="en-US" dirty="0"/>
+              <a:t>Creates a clone of a repository you created online, but on your pc in the folder you specify</a:t>
+            </a:r>
+          </a:p>
+          <a:p>
+            <a:pPr lvl="1"/>
+            <a:r>
+              <a:rPr lang="en-US" dirty="0"/>
+              <a:t>After you create a repository on GitHub, this will be the first command you use to interact with it</a:t>
+            </a:r>
+          </a:p>
+          <a:p>
+            <a:r>
+              <a:rPr lang="en-US" dirty="0"/>
+              <a:t>Branch</a:t>
+            </a:r>
+          </a:p>
+          <a:p>
+            <a:pPr lvl="1"/>
+            <a:r>
+              <a:rPr lang="en-US" dirty="0"/>
+              <a:t>Creates a new branch for you to work in </a:t>
+            </a:r>
+          </a:p>
+          <a:p>
+            <a:r>
+              <a:rPr lang="en-US" dirty="0"/>
+              <a:t>Switch</a:t>
+            </a:r>
+          </a:p>
+          <a:p>
+            <a:pPr lvl="1"/>
+            <a:r>
+              <a:rPr lang="en-US" dirty="0"/>
+              <a:t>Changes the branch you are currently using</a:t>
+            </a:r>
+          </a:p>
+          <a:p>
+            <a:endParaRPr lang="en-US" dirty="0"/>
+          </a:p>
+          <a:p>
+            <a:pPr lvl="1"/>
+            <a:endParaRPr lang="en-US" dirty="0"/>
+          </a:p>
+        </p:txBody>
+      </p:sp>
+    </p:spTree>
+    <p:extLst>
+      <p:ext uri="{BB962C8B-B14F-4D97-AF65-F5344CB8AC3E}">
+        <p14:creationId xmlns:p14="http://schemas.microsoft.com/office/powerpoint/2010/main" val="1322200545"/>
+      </p:ext>
+    </p:extLst>
+  </p:cSld>
+  <p:clrMapOvr>
+    <a:masterClrMapping/>
+  </p:clrMapOvr>
+</p:sld>
+</file>
+
+<file path=ppt/slides/slide12.xml><?xml version="1.0" encoding="utf-8"?>
+<p:sld xmlns:a="http://schemas.openxmlformats.org/drawingml/2006/main" xmlns:r="http://schemas.openxmlformats.org/officeDocument/2006/relationships" xmlns:p="http://schemas.openxmlformats.org/presentationml/2006/main">
+  <p:cSld>
+    <p:spTree>
+      <p:nvGrpSpPr>
+        <p:cNvPr id="1" name=""/>
+        <p:cNvGrpSpPr/>
+        <p:nvPr/>
+      </p:nvGrpSpPr>
+      <p:grpSpPr>
+        <a:xfrm>
+          <a:off x="0" y="0"/>
+          <a:ext cx="0" cy="0"/>
+          <a:chOff x="0" y="0"/>
+          <a:chExt cx="0" cy="0"/>
+        </a:xfrm>
+      </p:grpSpPr>
+      <p:sp>
+        <p:nvSpPr>
+          <p:cNvPr id="2" name="Title 1">
+            <a:extLst>
+              <a:ext uri="{FF2B5EF4-FFF2-40B4-BE49-F238E27FC236}">
+                <a16:creationId xmlns:a16="http://schemas.microsoft.com/office/drawing/2014/main" id="{DA3111C9-FBDE-42BD-9AEC-350B4CA4C298}"/>
+              </a:ext>
+            </a:extLst>
+          </p:cNvPr>
+          <p:cNvSpPr>
+            <a:spLocks noGrp="1"/>
+          </p:cNvSpPr>
+          <p:nvPr>
+            <p:ph type="title"/>
+          </p:nvPr>
+        </p:nvSpPr>
+        <p:spPr/>
+        <p:txBody>
+          <a:bodyPr/>
+          <a:lstStyle/>
+          <a:p>
+            <a:r>
+              <a:rPr lang="en-US" dirty="0" err="1"/>
+              <a:t>GitBash</a:t>
+            </a:r>
+            <a:r>
+              <a:rPr lang="en-US" dirty="0"/>
+              <a:t> Common Commands</a:t>
+            </a:r>
+          </a:p>
+        </p:txBody>
+      </p:sp>
+      <p:sp>
+        <p:nvSpPr>
+          <p:cNvPr id="3" name="Content Placeholder 2">
+            <a:extLst>
+              <a:ext uri="{FF2B5EF4-FFF2-40B4-BE49-F238E27FC236}">
+                <a16:creationId xmlns:a16="http://schemas.microsoft.com/office/drawing/2014/main" id="{898594B8-1EAA-4BCE-B637-CB89E9C8C230}"/>
+              </a:ext>
+            </a:extLst>
+          </p:cNvPr>
+          <p:cNvSpPr>
+            <a:spLocks noGrp="1"/>
+          </p:cNvSpPr>
+          <p:nvPr>
+            <p:ph idx="1"/>
+          </p:nvPr>
+        </p:nvSpPr>
+        <p:spPr/>
+        <p:txBody>
+          <a:bodyPr>
+            <a:normAutofit fontScale="92500" lnSpcReduction="20000"/>
+          </a:bodyPr>
+          <a:lstStyle/>
+          <a:p>
+            <a:r>
+              <a:rPr lang="en-US" b="1" dirty="0"/>
+              <a:t>add</a:t>
+            </a:r>
+          </a:p>
+          <a:p>
+            <a:pPr lvl="1"/>
+            <a:r>
+              <a:rPr lang="en-US" dirty="0"/>
+              <a:t>Adds a file (or files) to a staging area so you can commit them</a:t>
+            </a:r>
+          </a:p>
+          <a:p>
+            <a:pPr lvl="1"/>
+            <a:r>
+              <a:rPr lang="en-US" dirty="0"/>
+              <a:t>Creates a snapshot of file(s)</a:t>
+            </a:r>
+          </a:p>
+          <a:p>
+            <a:r>
+              <a:rPr lang="en-US" b="1" dirty="0"/>
+              <a:t>commit –m ”A descriptive message”</a:t>
+            </a:r>
+          </a:p>
+          <a:p>
+            <a:pPr lvl="1"/>
+            <a:r>
+              <a:rPr lang="en-US" dirty="0"/>
+              <a:t>Records snapshots in version history</a:t>
+            </a:r>
+          </a:p>
+          <a:p>
+            <a:r>
+              <a:rPr lang="en-US" b="1" dirty="0"/>
+              <a:t>push</a:t>
+            </a:r>
+          </a:p>
+          <a:p>
+            <a:pPr lvl="1"/>
+            <a:r>
+              <a:rPr lang="en-US" dirty="0"/>
+              <a:t>Uploads local branch commits from staging area</a:t>
+            </a:r>
+          </a:p>
+          <a:p>
+            <a:pPr lvl="1"/>
+            <a:r>
+              <a:rPr lang="en-US" dirty="0"/>
+              <a:t>Last step to update your repository</a:t>
+            </a:r>
+          </a:p>
+        </p:txBody>
+      </p:sp>
+    </p:spTree>
+    <p:extLst>
+      <p:ext uri="{BB962C8B-B14F-4D97-AF65-F5344CB8AC3E}">
+        <p14:creationId xmlns:p14="http://schemas.microsoft.com/office/powerpoint/2010/main" val="3615658078"/>
+      </p:ext>
+    </p:extLst>
+  </p:cSld>
+  <p:clrMapOvr>
+    <a:masterClrMapping/>
+  </p:clrMapOvr>
+</p:sld>
+</file>
+
+<file path=ppt/slides/slide13.xml><?xml version="1.0" encoding="utf-8"?>
+<p:sld xmlns:a="http://schemas.openxmlformats.org/drawingml/2006/main" xmlns:r="http://schemas.openxmlformats.org/officeDocument/2006/relationships" xmlns:p="http://schemas.openxmlformats.org/presentationml/2006/main">
+  <p:cSld>
+    <p:spTree>
+      <p:nvGrpSpPr>
+        <p:cNvPr id="1" name=""/>
+        <p:cNvGrpSpPr/>
+        <p:nvPr/>
+      </p:nvGrpSpPr>
+      <p:grpSpPr>
+        <a:xfrm>
+          <a:off x="0" y="0"/>
+          <a:ext cx="0" cy="0"/>
+          <a:chOff x="0" y="0"/>
+          <a:chExt cx="0" cy="0"/>
+        </a:xfrm>
+      </p:grpSpPr>
+      <p:sp>
+        <p:nvSpPr>
+          <p:cNvPr id="2" name="Title 1">
+            <a:extLst>
+              <a:ext uri="{FF2B5EF4-FFF2-40B4-BE49-F238E27FC236}">
                 <a16:creationId xmlns:a16="http://schemas.microsoft.com/office/drawing/2014/main" id="{EA78A1DB-6A3A-4A3F-8E75-30F73596AA4C}"/>
               </a:ext>
             </a:extLst>
@@ -6470,7 +6776,7 @@
 </p:sld>
 </file>
 
-<file path=ppt/slides/slide12.xml><?xml version="1.0" encoding="utf-8"?>
+<file path=ppt/slides/slide14.xml><?xml version="1.0" encoding="utf-8"?>
 <p:sld xmlns:a="http://schemas.openxmlformats.org/drawingml/2006/main" xmlns:r="http://schemas.openxmlformats.org/officeDocument/2006/relationships" xmlns:p="http://schemas.openxmlformats.org/presentationml/2006/main">
   <p:cSld>
     <p:spTree>
@@ -6603,7 +6909,7 @@
 </p:sld>
 </file>
 
-<file path=ppt/slides/slide13.xml><?xml version="1.0" encoding="utf-8"?>
+<file path=ppt/slides/slide15.xml><?xml version="1.0" encoding="utf-8"?>
 <p:sld xmlns:a="http://schemas.openxmlformats.org/drawingml/2006/main" xmlns:r="http://schemas.openxmlformats.org/officeDocument/2006/relationships" xmlns:p="http://schemas.openxmlformats.org/presentationml/2006/main">
   <p:cSld>
     <p:spTree>
@@ -6742,7 +7048,7 @@
 </p:sld>
 </file>
 
-<file path=ppt/slides/slide14.xml><?xml version="1.0" encoding="utf-8"?>
+<file path=ppt/slides/slide16.xml><?xml version="1.0" encoding="utf-8"?>
 <p:sld xmlns:a="http://schemas.openxmlformats.org/drawingml/2006/main" xmlns:r="http://schemas.openxmlformats.org/officeDocument/2006/relationships" xmlns:p="http://schemas.openxmlformats.org/presentationml/2006/main">
   <p:cSld>
     <p:spTree>
@@ -6875,7 +7181,7 @@
 </p:sld>
 </file>
 
-<file path=ppt/slides/slide15.xml><?xml version="1.0" encoding="utf-8"?>
+<file path=ppt/slides/slide17.xml><?xml version="1.0" encoding="utf-8"?>
 <p:sld xmlns:a="http://schemas.openxmlformats.org/drawingml/2006/main" xmlns:r="http://schemas.openxmlformats.org/officeDocument/2006/relationships" xmlns:p="http://schemas.openxmlformats.org/presentationml/2006/main">
   <p:cSld>
     <p:spTree>
@@ -6995,7 +7301,7 @@
 </p:sld>
 </file>
 
-<file path=ppt/slides/slide16.xml><?xml version="1.0" encoding="utf-8"?>
+<file path=ppt/slides/slide18.xml><?xml version="1.0" encoding="utf-8"?>
 <p:sld xmlns:a="http://schemas.openxmlformats.org/drawingml/2006/main" xmlns:r="http://schemas.openxmlformats.org/officeDocument/2006/relationships" xmlns:p="http://schemas.openxmlformats.org/presentationml/2006/main">
   <p:cSld>
     <p:spTree>
@@ -7133,7 +7439,7 @@
 </p:sld>
 </file>
 
-<file path=ppt/slides/slide17.xml><?xml version="1.0" encoding="utf-8"?>
+<file path=ppt/slides/slide19.xml><?xml version="1.0" encoding="utf-8"?>
 <p:sld xmlns:a="http://schemas.openxmlformats.org/drawingml/2006/main" xmlns:r="http://schemas.openxmlformats.org/officeDocument/2006/relationships" xmlns:p="http://schemas.openxmlformats.org/presentationml/2006/main">
   <p:cSld>
     <p:spTree>
@@ -7266,7 +7572,7 @@
           <p:cNvPr id="2" name="Title 1">
             <a:extLst>
               <a:ext uri="{FF2B5EF4-FFF2-40B4-BE49-F238E27FC236}">
-                <a16:creationId xmlns:a16="http://schemas.microsoft.com/office/drawing/2014/main" id="{717C9B70-316E-42B4-A89D-6867D3BBA52E}"/>
+                <a16:creationId xmlns:a16="http://schemas.microsoft.com/office/drawing/2014/main" id="{99F4D148-EBC0-4FAF-B398-DA06BBFC09EF}"/>
               </a:ext>
             </a:extLst>
           </p:cNvPr>
@@ -7284,17 +7590,17 @@
           <a:p>
             <a:r>
               <a:rPr lang="en-US" dirty="0"/>
-              <a:t>What is a Version Control System (VCS)?</a:t>
-            </a:r>
-          </a:p>
-        </p:txBody>
-      </p:sp>
-      <p:sp>
-        <p:nvSpPr>
-          <p:cNvPr id="3" name="Content Placeholder 2">
+              <a:t>Welcome to Front End!</a:t>
+            </a:r>
+          </a:p>
+        </p:txBody>
+      </p:sp>
+      <p:sp>
+        <p:nvSpPr>
+          <p:cNvPr id="3" name="Text Placeholder 2">
             <a:extLst>
               <a:ext uri="{FF2B5EF4-FFF2-40B4-BE49-F238E27FC236}">
-                <a16:creationId xmlns:a16="http://schemas.microsoft.com/office/drawing/2014/main" id="{28948E50-6284-4AF2-A88A-E43D4FE4F4A3}"/>
+                <a16:creationId xmlns:a16="http://schemas.microsoft.com/office/drawing/2014/main" id="{3AFBDDE5-0D3A-4919-B522-B5C4A116F6F4}"/>
               </a:ext>
             </a:extLst>
           </p:cNvPr>
@@ -7302,40 +7608,22 @@
             <a:spLocks noGrp="1"/>
           </p:cNvSpPr>
           <p:nvPr>
-            <p:ph idx="1"/>
-          </p:nvPr>
-        </p:nvSpPr>
-        <p:spPr/>
-        <p:txBody>
-          <a:bodyPr/>
-          <a:lstStyle/>
-          <a:p>
-            <a:r>
-              <a:rPr lang="en-US" dirty="0"/>
-              <a:t>Allow for tracking changes to code, collaborating, and sharing</a:t>
-            </a:r>
-          </a:p>
-          <a:p>
-            <a:r>
-              <a:rPr lang="en-US" dirty="0"/>
-              <a:t>Tools for creating experimental workspaces, and rolling back changes that do not work as intended</a:t>
-            </a:r>
-          </a:p>
-          <a:p>
-            <a:r>
-              <a:rPr lang="en-US" dirty="0"/>
-              <a:t>The easiest way to integrate multiple collaborators contributions to a project</a:t>
-            </a:r>
-          </a:p>
-          <a:p>
-            <a:endParaRPr lang="en-US" dirty="0"/>
+            <p:ph type="body" idx="1"/>
+          </p:nvPr>
+        </p:nvSpPr>
+        <p:spPr/>
+        <p:txBody>
+          <a:bodyPr/>
+          <a:lstStyle/>
+          <a:p>
+            <a:endParaRPr lang="en-US"/>
           </a:p>
         </p:txBody>
       </p:sp>
     </p:spTree>
     <p:extLst>
       <p:ext uri="{BB962C8B-B14F-4D97-AF65-F5344CB8AC3E}">
-        <p14:creationId xmlns:p14="http://schemas.microsoft.com/office/powerpoint/2010/main" val="1935626159"/>
+        <p14:creationId xmlns:p14="http://schemas.microsoft.com/office/powerpoint/2010/main" val="1789826959"/>
       </p:ext>
     </p:extLst>
   </p:cSld>
@@ -7367,7 +7655,7 @@
           <p:cNvPr id="2" name="Title 1">
             <a:extLst>
               <a:ext uri="{FF2B5EF4-FFF2-40B4-BE49-F238E27FC236}">
-                <a16:creationId xmlns:a16="http://schemas.microsoft.com/office/drawing/2014/main" id="{2E94F8A2-EFEB-4CC7-8C7C-3FC42E5E7F44}"/>
+                <a16:creationId xmlns:a16="http://schemas.microsoft.com/office/drawing/2014/main" id="{A55FA098-5356-481B-96FA-A82B7DCCEBF7}"/>
               </a:ext>
             </a:extLst>
           </p:cNvPr>
@@ -7385,7 +7673,7 @@
           <a:p>
             <a:r>
               <a:rPr lang="en-US" dirty="0"/>
-              <a:t>Why GitHub?</a:t>
+              <a:t>TODO</a:t>
             </a:r>
           </a:p>
         </p:txBody>
@@ -7395,7 +7683,7 @@
           <p:cNvPr id="3" name="Content Placeholder 2">
             <a:extLst>
               <a:ext uri="{FF2B5EF4-FFF2-40B4-BE49-F238E27FC236}">
-                <a16:creationId xmlns:a16="http://schemas.microsoft.com/office/drawing/2014/main" id="{902D48FA-D06F-4DC4-A4B2-DBFAC91D379C}"/>
+                <a16:creationId xmlns:a16="http://schemas.microsoft.com/office/drawing/2014/main" id="{521483C2-5F2B-419D-BABD-1AE13A428195}"/>
               </a:ext>
             </a:extLst>
           </p:cNvPr>
@@ -7408,46 +7696,51 @@
         </p:nvSpPr>
         <p:spPr/>
         <p:txBody>
-          <a:bodyPr>
-            <a:normAutofit fontScale="92500" lnSpcReduction="10000"/>
-          </a:bodyPr>
-          <a:lstStyle/>
-          <a:p>
-            <a:r>
-              <a:rPr lang="en-US" dirty="0"/>
-              <a:t>GitHub is the most used VCS in the Tech Industry (~80% market share)</a:t>
-            </a:r>
-          </a:p>
-          <a:p>
-            <a:r>
-              <a:rPr lang="en-US" dirty="0"/>
-              <a:t>Any time you need to collaborate, or even work independently, GitHub will almost always be where your code ends up</a:t>
-            </a:r>
-          </a:p>
-          <a:p>
-            <a:r>
-              <a:rPr lang="en-US" dirty="0"/>
-              <a:t>GitHub Pages</a:t>
-            </a:r>
-          </a:p>
-          <a:p>
-            <a:pPr lvl="1"/>
-            <a:r>
-              <a:rPr lang="en-US" dirty="0"/>
-              <a:t>Allows you to host a website for free!</a:t>
-            </a:r>
-          </a:p>
-          <a:p>
-            <a:pPr lvl="1"/>
-            <a:r>
-              <a:rPr lang="en-US" dirty="0"/>
-              <a:t>Your website will be available for everyone to see in both its rendered form and as its source code</a:t>
-            </a:r>
-          </a:p>
-          <a:p>
-            <a:r>
-              <a:rPr lang="en-US" dirty="0"/>
-              <a:t>GitHub is a great way to show off your work to employers</a:t>
+          <a:bodyPr/>
+          <a:lstStyle/>
+          <a:p>
+            <a:endParaRPr lang="en-US" dirty="0">
+              <a:hlinkClick r:id="rId2"/>
+            </a:endParaRPr>
+          </a:p>
+          <a:p>
+            <a:r>
+              <a:rPr lang="en-US" dirty="0">
+                <a:hlinkClick r:id="rId2"/>
+              </a:rPr>
+              <a:t>Visual Studio Code </a:t>
+            </a:r>
+            <a:r>
+              <a:rPr lang="en-US" dirty="0"/>
+              <a:t>– An IDE</a:t>
+            </a:r>
+          </a:p>
+          <a:p>
+            <a:r>
+              <a:rPr lang="en-US" dirty="0"/>
+              <a:t>Create a </a:t>
+            </a:r>
+            <a:r>
+              <a:rPr lang="en-US" dirty="0">
+                <a:hlinkClick r:id="rId3"/>
+              </a:rPr>
+              <a:t>GitHub</a:t>
+            </a:r>
+            <a:r>
+              <a:rPr lang="en-US" dirty="0"/>
+              <a:t> Account and email me a link to your profile: GrahamE@ywcanwil.org</a:t>
+            </a:r>
+          </a:p>
+          <a:p>
+            <a:r>
+              <a:rPr lang="en-US" dirty="0" err="1">
+                <a:hlinkClick r:id="rId4"/>
+              </a:rPr>
+              <a:t>GitBash</a:t>
+            </a:r>
+            <a:r>
+              <a:rPr lang="en-US" dirty="0"/>
+              <a:t> – A tool for interacting with GitHub</a:t>
             </a:r>
           </a:p>
         </p:txBody>
@@ -7455,7 +7748,7 @@
     </p:spTree>
     <p:extLst>
       <p:ext uri="{BB962C8B-B14F-4D97-AF65-F5344CB8AC3E}">
-        <p14:creationId xmlns:p14="http://schemas.microsoft.com/office/powerpoint/2010/main" val="3635510811"/>
+        <p14:creationId xmlns:p14="http://schemas.microsoft.com/office/powerpoint/2010/main" val="146087958"/>
       </p:ext>
     </p:extLst>
   </p:cSld>
@@ -7487,7 +7780,7 @@
           <p:cNvPr id="2" name="Title 1">
             <a:extLst>
               <a:ext uri="{FF2B5EF4-FFF2-40B4-BE49-F238E27FC236}">
-                <a16:creationId xmlns:a16="http://schemas.microsoft.com/office/drawing/2014/main" id="{D2711607-5FA0-4AC0-9D46-A9034C86E55E}"/>
+                <a16:creationId xmlns:a16="http://schemas.microsoft.com/office/drawing/2014/main" id="{717C9B70-316E-42B4-A89D-6867D3BBA52E}"/>
               </a:ext>
             </a:extLst>
           </p:cNvPr>
@@ -7505,7 +7798,7 @@
           <a:p>
             <a:r>
               <a:rPr lang="en-US" dirty="0"/>
-              <a:t>GitHub Essentials</a:t>
+              <a:t>What is a Version Control System (VCS)?</a:t>
             </a:r>
           </a:p>
         </p:txBody>
@@ -7515,7 +7808,7 @@
           <p:cNvPr id="3" name="Content Placeholder 2">
             <a:extLst>
               <a:ext uri="{FF2B5EF4-FFF2-40B4-BE49-F238E27FC236}">
-                <a16:creationId xmlns:a16="http://schemas.microsoft.com/office/drawing/2014/main" id="{25D283A7-3B43-4314-AF0E-833D93332E23}"/>
+                <a16:creationId xmlns:a16="http://schemas.microsoft.com/office/drawing/2014/main" id="{28948E50-6284-4AF2-A88A-E43D4FE4F4A3}"/>
               </a:ext>
             </a:extLst>
           </p:cNvPr>
@@ -7533,36 +7826,30 @@
           <a:p>
             <a:r>
               <a:rPr lang="en-US" dirty="0"/>
-              <a:t>Repositories</a:t>
-            </a:r>
-          </a:p>
-          <a:p>
-            <a:pPr lvl="1"/>
-            <a:r>
-              <a:rPr lang="en-US" dirty="0"/>
-              <a:t>Essentially a project folder (or folders) where you keep all of your code</a:t>
-            </a:r>
-          </a:p>
-          <a:p>
-            <a:pPr lvl="1"/>
-            <a:r>
-              <a:rPr lang="en-US" dirty="0"/>
-              <a:t>Collaborative or Individual</a:t>
-            </a:r>
-          </a:p>
-          <a:p>
-            <a:pPr lvl="1"/>
-            <a:r>
-              <a:rPr lang="en-US" dirty="0"/>
-              <a:t>Stored in “the cloud”, so your work will be available to you anywhere!</a:t>
-            </a:r>
+              <a:t>Allow for tracking changes to code, collaborating, and sharing</a:t>
+            </a:r>
+          </a:p>
+          <a:p>
+            <a:r>
+              <a:rPr lang="en-US" dirty="0"/>
+              <a:t>Tools for creating experimental workspaces, and rolling back changes that do not work as intended</a:t>
+            </a:r>
+          </a:p>
+          <a:p>
+            <a:r>
+              <a:rPr lang="en-US" dirty="0"/>
+              <a:t>The easiest way to integrate multiple collaborators contributions to a project</a:t>
+            </a:r>
+          </a:p>
+          <a:p>
+            <a:endParaRPr lang="en-US" dirty="0"/>
           </a:p>
         </p:txBody>
       </p:sp>
     </p:spTree>
     <p:extLst>
       <p:ext uri="{BB962C8B-B14F-4D97-AF65-F5344CB8AC3E}">
-        <p14:creationId xmlns:p14="http://schemas.microsoft.com/office/powerpoint/2010/main" val="2822240585"/>
+        <p14:creationId xmlns:p14="http://schemas.microsoft.com/office/powerpoint/2010/main" val="1935626159"/>
       </p:ext>
     </p:extLst>
   </p:cSld>
@@ -7594,7 +7881,7 @@
           <p:cNvPr id="2" name="Title 1">
             <a:extLst>
               <a:ext uri="{FF2B5EF4-FFF2-40B4-BE49-F238E27FC236}">
-                <a16:creationId xmlns:a16="http://schemas.microsoft.com/office/drawing/2014/main" id="{AB20D98B-DEFA-4604-80A3-3E39A2F1688E}"/>
+                <a16:creationId xmlns:a16="http://schemas.microsoft.com/office/drawing/2014/main" id="{2E94F8A2-EFEB-4CC7-8C7C-3FC42E5E7F44}"/>
               </a:ext>
             </a:extLst>
           </p:cNvPr>
@@ -7612,7 +7899,7 @@
           <a:p>
             <a:r>
               <a:rPr lang="en-US" dirty="0"/>
-              <a:t>GitHub Essentials</a:t>
+              <a:t>Why GitHub?</a:t>
             </a:r>
           </a:p>
         </p:txBody>
@@ -7622,7 +7909,7 @@
           <p:cNvPr id="3" name="Content Placeholder 2">
             <a:extLst>
               <a:ext uri="{FF2B5EF4-FFF2-40B4-BE49-F238E27FC236}">
-                <a16:creationId xmlns:a16="http://schemas.microsoft.com/office/drawing/2014/main" id="{C096988C-59C9-4BCA-97C9-B0691B4E7EA0}"/>
+                <a16:creationId xmlns:a16="http://schemas.microsoft.com/office/drawing/2014/main" id="{902D48FA-D06F-4DC4-A4B2-DBFAC91D379C}"/>
               </a:ext>
             </a:extLst>
           </p:cNvPr>
@@ -7635,58 +7922,54 @@
         </p:nvSpPr>
         <p:spPr/>
         <p:txBody>
-          <a:bodyPr/>
-          <a:lstStyle/>
-          <a:p>
-            <a:r>
-              <a:rPr lang="en-US" dirty="0"/>
-              <a:t>Branches</a:t>
+          <a:bodyPr>
+            <a:normAutofit fontScale="92500" lnSpcReduction="10000"/>
+          </a:bodyPr>
+          <a:lstStyle/>
+          <a:p>
+            <a:r>
+              <a:rPr lang="en-US" dirty="0"/>
+              <a:t>GitHub is the most used VCS in the Tech Industry (~80% market share)</a:t>
+            </a:r>
+          </a:p>
+          <a:p>
+            <a:r>
+              <a:rPr lang="en-US" dirty="0"/>
+              <a:t>Any time you need to collaborate, or even work independently, GitHub will almost always be where your code ends up</a:t>
+            </a:r>
+          </a:p>
+          <a:p>
+            <a:r>
+              <a:rPr lang="en-US" dirty="0"/>
+              <a:t>GitHub Pages</a:t>
             </a:r>
           </a:p>
           <a:p>
             <a:pPr lvl="1"/>
             <a:r>
               <a:rPr lang="en-US" dirty="0"/>
-              <a:t>A section of a repository that is isolated from all other sections</a:t>
+              <a:t>Allows you to host a website for free!</a:t>
             </a:r>
           </a:p>
           <a:p>
             <a:pPr lvl="1"/>
             <a:r>
               <a:rPr lang="en-US" dirty="0"/>
-              <a:t>These help prevent you from making an errors in the code that is running </a:t>
-            </a:r>
-          </a:p>
-          <a:p>
-            <a:pPr lvl="1"/>
-            <a:r>
-              <a:rPr lang="en-US" dirty="0"/>
-              <a:t>Most repositories have at least 2 branches: </a:t>
-            </a:r>
-            <a:r>
-              <a:rPr lang="en-US" i="1" dirty="0"/>
-              <a:t>main</a:t>
-            </a:r>
-            <a:r>
-              <a:rPr lang="en-US" dirty="0"/>
-              <a:t> and </a:t>
-            </a:r>
-            <a:r>
-              <a:rPr lang="en-US" i="1" dirty="0"/>
-              <a:t>experimental</a:t>
-            </a:r>
-            <a:endParaRPr lang="en-US" dirty="0"/>
-          </a:p>
-          <a:p>
-            <a:pPr lvl="1"/>
-            <a:endParaRPr lang="en-US" dirty="0"/>
+              <a:t>Your website will be available for everyone to see in both its rendered form and as its source code</a:t>
+            </a:r>
+          </a:p>
+          <a:p>
+            <a:r>
+              <a:rPr lang="en-US" dirty="0"/>
+              <a:t>GitHub is a great way to show off your work to employers</a:t>
+            </a:r>
           </a:p>
         </p:txBody>
       </p:sp>
     </p:spTree>
     <p:extLst>
       <p:ext uri="{BB962C8B-B14F-4D97-AF65-F5344CB8AC3E}">
-        <p14:creationId xmlns:p14="http://schemas.microsoft.com/office/powerpoint/2010/main" val="1097499082"/>
+        <p14:creationId xmlns:p14="http://schemas.microsoft.com/office/powerpoint/2010/main" val="3635510811"/>
       </p:ext>
     </p:extLst>
   </p:cSld>
@@ -7718,7 +8001,7 @@
           <p:cNvPr id="2" name="Title 1">
             <a:extLst>
               <a:ext uri="{FF2B5EF4-FFF2-40B4-BE49-F238E27FC236}">
-                <a16:creationId xmlns:a16="http://schemas.microsoft.com/office/drawing/2014/main" id="{2AFC8559-767D-47A3-9F72-F11F2342E4BB}"/>
+                <a16:creationId xmlns:a16="http://schemas.microsoft.com/office/drawing/2014/main" id="{D2711607-5FA0-4AC0-9D46-A9034C86E55E}"/>
               </a:ext>
             </a:extLst>
           </p:cNvPr>
@@ -7746,7 +8029,7 @@
           <p:cNvPr id="3" name="Content Placeholder 2">
             <a:extLst>
               <a:ext uri="{FF2B5EF4-FFF2-40B4-BE49-F238E27FC236}">
-                <a16:creationId xmlns:a16="http://schemas.microsoft.com/office/drawing/2014/main" id="{3E1EEEF6-EFC6-4C62-897B-F764E51065A3}"/>
+                <a16:creationId xmlns:a16="http://schemas.microsoft.com/office/drawing/2014/main" id="{25D283A7-3B43-4314-AF0E-833D93332E23}"/>
               </a:ext>
             </a:extLst>
           </p:cNvPr>
@@ -7764,40 +8047,36 @@
           <a:p>
             <a:r>
               <a:rPr lang="en-US" dirty="0"/>
-              <a:t>Merging</a:t>
+              <a:t>Repositories</a:t>
             </a:r>
           </a:p>
           <a:p>
             <a:pPr lvl="1"/>
             <a:r>
               <a:rPr lang="en-US" dirty="0"/>
-              <a:t>Once you have tested the code on your experimental branch, you will want to copy it over to your main branch, where you run your already functional code</a:t>
+              <a:t>Essentially a project folder (or folders) where you keep all of your code</a:t>
             </a:r>
           </a:p>
           <a:p>
             <a:pPr lvl="1"/>
             <a:r>
               <a:rPr lang="en-US" dirty="0"/>
-              <a:t>Merging will push your changes from your experimental branch to your main branch</a:t>
+              <a:t>Collaborative or Individual</a:t>
             </a:r>
           </a:p>
           <a:p>
             <a:pPr lvl="1"/>
             <a:r>
               <a:rPr lang="en-US" dirty="0"/>
-              <a:t>GitHub will track the changes to your branches and keep a record of all versions</a:t>
-            </a:r>
-          </a:p>
-          <a:p>
-            <a:pPr lvl="1"/>
-            <a:endParaRPr lang="en-US" dirty="0"/>
+              <a:t>Stored in “the cloud”, so your work will be available to you anywhere!</a:t>
+            </a:r>
           </a:p>
         </p:txBody>
       </p:sp>
     </p:spTree>
     <p:extLst>
       <p:ext uri="{BB962C8B-B14F-4D97-AF65-F5344CB8AC3E}">
-        <p14:creationId xmlns:p14="http://schemas.microsoft.com/office/powerpoint/2010/main" val="1811722189"/>
+        <p14:creationId xmlns:p14="http://schemas.microsoft.com/office/powerpoint/2010/main" val="2822240585"/>
       </p:ext>
     </p:extLst>
   </p:cSld>
@@ -7829,7 +8108,7 @@
           <p:cNvPr id="2" name="Title 1">
             <a:extLst>
               <a:ext uri="{FF2B5EF4-FFF2-40B4-BE49-F238E27FC236}">
-                <a16:creationId xmlns:a16="http://schemas.microsoft.com/office/drawing/2014/main" id="{5322ED40-7668-48EA-91B5-4B36E785CD5A}"/>
+                <a16:creationId xmlns:a16="http://schemas.microsoft.com/office/drawing/2014/main" id="{AB20D98B-DEFA-4604-80A3-3E39A2F1688E}"/>
               </a:ext>
             </a:extLst>
           </p:cNvPr>
@@ -7846,10 +8125,9 @@
           <a:lstStyle/>
           <a:p>
             <a:r>
-              <a:rPr lang="en-US" dirty="0" err="1"/>
-              <a:t>GitBash</a:t>
-            </a:r>
-            <a:endParaRPr lang="en-US" dirty="0"/>
+              <a:rPr lang="en-US" dirty="0"/>
+              <a:t>GitHub Essentials</a:t>
+            </a:r>
           </a:p>
         </p:txBody>
       </p:sp>
@@ -7858,7 +8136,7 @@
           <p:cNvPr id="3" name="Content Placeholder 2">
             <a:extLst>
               <a:ext uri="{FF2B5EF4-FFF2-40B4-BE49-F238E27FC236}">
-                <a16:creationId xmlns:a16="http://schemas.microsoft.com/office/drawing/2014/main" id="{80AEBF27-98B0-4E0F-B29B-8BFF2BD1C431}"/>
+                <a16:creationId xmlns:a16="http://schemas.microsoft.com/office/drawing/2014/main" id="{C096988C-59C9-4BCA-97C9-B0691B4E7EA0}"/>
               </a:ext>
             </a:extLst>
           </p:cNvPr>
@@ -7876,45 +8154,53 @@
           <a:p>
             <a:r>
               <a:rPr lang="en-US" dirty="0"/>
-              <a:t>A </a:t>
-            </a:r>
-            <a:r>
-              <a:rPr lang="en-US" b="1" dirty="0"/>
-              <a:t>Command Line Interface (CLI)</a:t>
-            </a:r>
-            <a:r>
-              <a:rPr lang="en-US" dirty="0"/>
-              <a:t> that is to interact with our GitHub repositories</a:t>
-            </a:r>
-          </a:p>
-          <a:p>
-            <a:r>
-              <a:rPr lang="en-US" dirty="0"/>
-              <a:t>Unix style – it will look and feel like the Linux Operating System</a:t>
-            </a:r>
-          </a:p>
-          <a:p>
-            <a:r>
-              <a:rPr lang="en-US" dirty="0"/>
-              <a:t>Runs by entering commands that tell the computer what to do</a:t>
-            </a:r>
-          </a:p>
-          <a:p>
-            <a:r>
-              <a:rPr lang="en-US" dirty="0" err="1"/>
-              <a:t>GitBash</a:t>
-            </a:r>
-            <a:r>
-              <a:rPr lang="en-US" dirty="0"/>
-              <a:t> allows us to deploy our code to GitHub</a:t>
-            </a:r>
+              <a:t>Branches</a:t>
+            </a:r>
+          </a:p>
+          <a:p>
+            <a:pPr lvl="1"/>
+            <a:r>
+              <a:rPr lang="en-US" dirty="0"/>
+              <a:t>A section of a repository that is isolated from all other sections</a:t>
+            </a:r>
+          </a:p>
+          <a:p>
+            <a:pPr lvl="1"/>
+            <a:r>
+              <a:rPr lang="en-US" dirty="0"/>
+              <a:t>These help prevent you from making an errors in the code that is running </a:t>
+            </a:r>
+          </a:p>
+          <a:p>
+            <a:pPr lvl="1"/>
+            <a:r>
+              <a:rPr lang="en-US" dirty="0"/>
+              <a:t>Most repositories have at least 2 branches: </a:t>
+            </a:r>
+            <a:r>
+              <a:rPr lang="en-US" i="1" dirty="0"/>
+              <a:t>main</a:t>
+            </a:r>
+            <a:r>
+              <a:rPr lang="en-US" dirty="0"/>
+              <a:t> and </a:t>
+            </a:r>
+            <a:r>
+              <a:rPr lang="en-US" i="1" dirty="0"/>
+              <a:t>experimental</a:t>
+            </a:r>
+            <a:endParaRPr lang="en-US" dirty="0"/>
+          </a:p>
+          <a:p>
+            <a:pPr lvl="1"/>
+            <a:endParaRPr lang="en-US" dirty="0"/>
           </a:p>
         </p:txBody>
       </p:sp>
     </p:spTree>
     <p:extLst>
       <p:ext uri="{BB962C8B-B14F-4D97-AF65-F5344CB8AC3E}">
-        <p14:creationId xmlns:p14="http://schemas.microsoft.com/office/powerpoint/2010/main" val="3334655130"/>
+        <p14:creationId xmlns:p14="http://schemas.microsoft.com/office/powerpoint/2010/main" val="1097499082"/>
       </p:ext>
     </p:extLst>
   </p:cSld>
@@ -7946,7 +8232,7 @@
           <p:cNvPr id="2" name="Title 1">
             <a:extLst>
               <a:ext uri="{FF2B5EF4-FFF2-40B4-BE49-F238E27FC236}">
-                <a16:creationId xmlns:a16="http://schemas.microsoft.com/office/drawing/2014/main" id="{D9D17935-69FF-4F4D-AE97-E58C09D19238}"/>
+                <a16:creationId xmlns:a16="http://schemas.microsoft.com/office/drawing/2014/main" id="{2AFC8559-767D-47A3-9F72-F11F2342E4BB}"/>
               </a:ext>
             </a:extLst>
           </p:cNvPr>
@@ -7963,12 +8249,8 @@
           <a:lstStyle/>
           <a:p>
             <a:r>
-              <a:rPr lang="en-US" dirty="0" err="1"/>
-              <a:t>GitBash</a:t>
-            </a:r>
-            <a:r>
-              <a:rPr lang="en-US" dirty="0"/>
-              <a:t> Common Commands</a:t>
+              <a:rPr lang="en-US" dirty="0"/>
+              <a:t>GitHub Essentials</a:t>
             </a:r>
           </a:p>
         </p:txBody>
@@ -7978,7 +8260,7 @@
           <p:cNvPr id="3" name="Content Placeholder 2">
             <a:extLst>
               <a:ext uri="{FF2B5EF4-FFF2-40B4-BE49-F238E27FC236}">
-                <a16:creationId xmlns:a16="http://schemas.microsoft.com/office/drawing/2014/main" id="{4B40BD1A-AD09-4DF2-9F50-8BAAED1BD645}"/>
+                <a16:creationId xmlns:a16="http://schemas.microsoft.com/office/drawing/2014/main" id="{3E1EEEF6-EFC6-4C62-897B-F764E51065A3}"/>
               </a:ext>
             </a:extLst>
           </p:cNvPr>
@@ -7991,95 +8273,45 @@
         </p:nvSpPr>
         <p:spPr/>
         <p:txBody>
-          <a:bodyPr>
-            <a:normAutofit fontScale="70000" lnSpcReduction="20000"/>
-          </a:bodyPr>
-          <a:lstStyle/>
-          <a:p>
-            <a:r>
-              <a:rPr lang="en-US" b="1" dirty="0"/>
-              <a:t>ls</a:t>
+          <a:bodyPr/>
+          <a:lstStyle/>
+          <a:p>
+            <a:r>
+              <a:rPr lang="en-US" dirty="0"/>
+              <a:t>Merging</a:t>
             </a:r>
           </a:p>
           <a:p>
             <a:pPr lvl="1"/>
             <a:r>
               <a:rPr lang="en-US" dirty="0"/>
-              <a:t>Lists directory (folder) contents</a:t>
-            </a:r>
-          </a:p>
-          <a:p>
-            <a:r>
-              <a:rPr lang="en-US" b="1" dirty="0"/>
-              <a:t>cd</a:t>
+              <a:t>Once you have tested the code on your experimental branch, you will want to copy it over to your main branch, where you run your already functional code</a:t>
             </a:r>
           </a:p>
           <a:p>
             <a:pPr lvl="1"/>
             <a:r>
               <a:rPr lang="en-US" dirty="0"/>
-              <a:t>Changes the directory (folder) that you are currently looking in</a:t>
+              <a:t>Merging will push your changes from your experimental branch to your main branch</a:t>
             </a:r>
           </a:p>
           <a:p>
             <a:pPr lvl="1"/>
             <a:r>
               <a:rPr lang="en-US" dirty="0"/>
-              <a:t>After cd, list the folder you would like to be shown</a:t>
+              <a:t>GitHub will track the changes to your branches and keep a record of all versions</a:t>
             </a:r>
           </a:p>
           <a:p>
             <a:pPr lvl="1"/>
-            <a:r>
-              <a:rPr lang="en-US" dirty="0"/>
-              <a:t>Supports </a:t>
-            </a:r>
-            <a:r>
-              <a:rPr lang="en-US" i="1" dirty="0"/>
-              <a:t>relative paths</a:t>
-            </a:r>
-          </a:p>
-          <a:p>
-            <a:r>
-              <a:rPr lang="en-US" b="1" dirty="0"/>
-              <a:t>mv</a:t>
-            </a:r>
-          </a:p>
-          <a:p>
-            <a:pPr lvl="1"/>
-            <a:r>
-              <a:rPr lang="en-US" dirty="0"/>
-              <a:t>Moves or renames a file or directory</a:t>
-            </a:r>
-          </a:p>
-          <a:p>
-            <a:pPr lvl="1"/>
-            <a:r>
-              <a:rPr lang="en-US" dirty="0"/>
-              <a:t>You can move many files at one time</a:t>
-            </a:r>
-          </a:p>
-          <a:p>
-            <a:pPr lvl="1"/>
-            <a:r>
-              <a:rPr lang="en-US" dirty="0"/>
-              <a:t>Provide </a:t>
-            </a:r>
-            <a:r>
-              <a:rPr lang="en-US" dirty="0" err="1"/>
-              <a:t>filepath</a:t>
-            </a:r>
-            <a:r>
-              <a:rPr lang="en-US" dirty="0"/>
-              <a:t> to new directory after the filename</a:t>
-            </a:r>
+            <a:endParaRPr lang="en-US" dirty="0"/>
           </a:p>
         </p:txBody>
       </p:sp>
     </p:spTree>
     <p:extLst>
       <p:ext uri="{BB962C8B-B14F-4D97-AF65-F5344CB8AC3E}">
-        <p14:creationId xmlns:p14="http://schemas.microsoft.com/office/powerpoint/2010/main" val="670696633"/>
+        <p14:creationId xmlns:p14="http://schemas.microsoft.com/office/powerpoint/2010/main" val="1811722189"/>
       </p:ext>
     </p:extLst>
   </p:cSld>
@@ -8111,7 +8343,7 @@
           <p:cNvPr id="2" name="Title 1">
             <a:extLst>
               <a:ext uri="{FF2B5EF4-FFF2-40B4-BE49-F238E27FC236}">
-                <a16:creationId xmlns:a16="http://schemas.microsoft.com/office/drawing/2014/main" id="{346435E5-45A4-41A0-9706-2A3203A8B569}"/>
+                <a16:creationId xmlns:a16="http://schemas.microsoft.com/office/drawing/2014/main" id="{5322ED40-7668-48EA-91B5-4B36E785CD5A}"/>
               </a:ext>
             </a:extLst>
           </p:cNvPr>
@@ -8131,10 +8363,7 @@
               <a:rPr lang="en-US" dirty="0" err="1"/>
               <a:t>GitBash</a:t>
             </a:r>
-            <a:r>
-              <a:rPr lang="en-US" dirty="0"/>
-              <a:t> Common Commands</a:t>
-            </a:r>
+            <a:endParaRPr lang="en-US" dirty="0"/>
           </a:p>
         </p:txBody>
       </p:sp>
@@ -8143,7 +8372,7 @@
           <p:cNvPr id="3" name="Content Placeholder 2">
             <a:extLst>
               <a:ext uri="{FF2B5EF4-FFF2-40B4-BE49-F238E27FC236}">
-                <a16:creationId xmlns:a16="http://schemas.microsoft.com/office/drawing/2014/main" id="{BD09F67D-303B-4D48-8C05-81C296B8086B}"/>
+                <a16:creationId xmlns:a16="http://schemas.microsoft.com/office/drawing/2014/main" id="{80AEBF27-98B0-4E0F-B29B-8BFF2BD1C431}"/>
               </a:ext>
             </a:extLst>
           </p:cNvPr>
@@ -8156,69 +8385,50 @@
         </p:nvSpPr>
         <p:spPr/>
         <p:txBody>
-          <a:bodyPr>
-            <a:normAutofit fontScale="92500" lnSpcReduction="20000"/>
-          </a:bodyPr>
-          <a:lstStyle/>
-          <a:p>
-            <a:r>
-              <a:rPr lang="en-US" dirty="0"/>
-              <a:t>Clone</a:t>
-            </a:r>
-          </a:p>
-          <a:p>
-            <a:pPr lvl="1"/>
-            <a:r>
-              <a:rPr lang="en-US" dirty="0"/>
-              <a:t>Creates a clone of a repository you created online, but on your pc in the folder you specify</a:t>
-            </a:r>
-          </a:p>
-          <a:p>
-            <a:pPr lvl="1"/>
-            <a:r>
-              <a:rPr lang="en-US" dirty="0"/>
-              <a:t>After you create a repository on GitHub, this will be the first command you use to interact with it</a:t>
-            </a:r>
-          </a:p>
-          <a:p>
-            <a:r>
-              <a:rPr lang="en-US" dirty="0"/>
-              <a:t>Branch</a:t>
-            </a:r>
-          </a:p>
-          <a:p>
-            <a:pPr lvl="1"/>
-            <a:r>
-              <a:rPr lang="en-US" dirty="0"/>
-              <a:t>Creates a new branch for you to work in </a:t>
-            </a:r>
-          </a:p>
-          <a:p>
-            <a:r>
-              <a:rPr lang="en-US" dirty="0"/>
-              <a:t>Switch</a:t>
-            </a:r>
-          </a:p>
-          <a:p>
-            <a:pPr lvl="1"/>
-            <a:r>
-              <a:rPr lang="en-US" dirty="0"/>
-              <a:t>Changes the branch you are currently using</a:t>
-            </a:r>
-          </a:p>
-          <a:p>
-            <a:endParaRPr lang="en-US" dirty="0"/>
-          </a:p>
-          <a:p>
-            <a:pPr lvl="1"/>
-            <a:endParaRPr lang="en-US" dirty="0"/>
+          <a:bodyPr/>
+          <a:lstStyle/>
+          <a:p>
+            <a:r>
+              <a:rPr lang="en-US" dirty="0"/>
+              <a:t>A </a:t>
+            </a:r>
+            <a:r>
+              <a:rPr lang="en-US" b="1" dirty="0"/>
+              <a:t>Command Line Interface (CLI)</a:t>
+            </a:r>
+            <a:r>
+              <a:rPr lang="en-US" dirty="0"/>
+              <a:t> that is to interact with our GitHub repositories</a:t>
+            </a:r>
+          </a:p>
+          <a:p>
+            <a:r>
+              <a:rPr lang="en-US" dirty="0"/>
+              <a:t>Unix style – it will look and feel like the Linux Operating System</a:t>
+            </a:r>
+          </a:p>
+          <a:p>
+            <a:r>
+              <a:rPr lang="en-US" dirty="0"/>
+              <a:t>Runs by entering commands that tell the computer what to do</a:t>
+            </a:r>
+          </a:p>
+          <a:p>
+            <a:r>
+              <a:rPr lang="en-US" dirty="0" err="1"/>
+              <a:t>GitBash</a:t>
+            </a:r>
+            <a:r>
+              <a:rPr lang="en-US" dirty="0"/>
+              <a:t> allows us to deploy our code to GitHub</a:t>
+            </a:r>
           </a:p>
         </p:txBody>
       </p:sp>
     </p:spTree>
     <p:extLst>
       <p:ext uri="{BB962C8B-B14F-4D97-AF65-F5344CB8AC3E}">
-        <p14:creationId xmlns:p14="http://schemas.microsoft.com/office/powerpoint/2010/main" val="1322200545"/>
+        <p14:creationId xmlns:p14="http://schemas.microsoft.com/office/powerpoint/2010/main" val="3334655130"/>
       </p:ext>
     </p:extLst>
   </p:cSld>
